--- a/project_marathon.pptx
+++ b/project_marathon.pptx
@@ -11821,7 +11821,7 @@
                 <a:cs typeface="Source Code Pro"/>
                 <a:sym typeface="Source Code Pro"/>
               </a:rPr>
-              <a:t>Classification regression (after </a:t>
+              <a:t>Logistic regression (after </a:t>
             </a:r>
             <a:r>
               <a:rPr lang="en-US" sz="1200" dirty="0" err="1">
@@ -11839,7 +11839,7 @@
                 <a:cs typeface="Source Code Pro"/>
                 <a:sym typeface="Source Code Pro"/>
               </a:rPr>
-              <a:t>) metrics (accuracy, recall, F1-score) are all in the range of 60-70%</a:t>
+              <a:t>) metrics (accuracy, recall, F1-score) are all in the range of 60%-70%</a:t>
             </a:r>
           </a:p>
           <a:p>
@@ -11881,7 +11881,7 @@
             </a:r>
           </a:p>
           <a:p>
-            <a:pPr marL="360363" marR="0" lvl="0" indent="-220663" algn="l" rtl="0">
+            <a:pPr marL="139700" marR="0" lvl="0" algn="l" rtl="0">
               <a:lnSpc>
                 <a:spcPct val="100000"/>
               </a:lnSpc>
@@ -11892,30 +11892,6 @@
                 <a:srgbClr val="000000"/>
               </a:buClr>
               <a:buSzPts val="1400"/>
-              <a:buFont typeface="Source Code Pro"/>
-              <a:buChar char="●"/>
-            </a:pPr>
-            <a:endParaRPr lang="en-US" sz="1200" dirty="0">
-              <a:latin typeface="+mn-lt"/>
-              <a:ea typeface="Source Code Pro"/>
-              <a:cs typeface="Source Code Pro"/>
-              <a:sym typeface="Source Code Pro"/>
-            </a:endParaRPr>
-          </a:p>
-          <a:p>
-            <a:pPr marL="457200" marR="0" lvl="0" indent="-317500" algn="l" rtl="0">
-              <a:lnSpc>
-                <a:spcPct val="100000"/>
-              </a:lnSpc>
-              <a:spcAft>
-                <a:spcPts val="400"/>
-              </a:spcAft>
-              <a:buClr>
-                <a:srgbClr val="000000"/>
-              </a:buClr>
-              <a:buSzPts val="1400"/>
-              <a:buFont typeface="Source Code Pro"/>
-              <a:buChar char="●"/>
             </a:pPr>
             <a:endParaRPr sz="1200" b="0" i="0" u="none" strike="noStrike" cap="none" dirty="0">
               <a:solidFill>
@@ -11980,7 +11956,7 @@
         <p:spPr>
           <a:xfrm>
             <a:off x="4739536" y="1493384"/>
-            <a:ext cx="3697882" cy="2465254"/>
+            <a:ext cx="3697881" cy="2465254"/>
           </a:xfrm>
           <a:prstGeom prst="rect">
             <a:avLst/>
@@ -12726,7 +12702,7 @@
                 <a:cs typeface="Source Code Pro"/>
                 <a:sym typeface="Source Code Pro"/>
               </a:rPr>
-              <a:t>In this category we could not locate any factors that would solely or in groups define individual running ability or training success.</a:t>
+              <a:t>In this category we could not locate any factors that would solely or in groups define individual running ability. We can forecast (but with low accuracy) training success.</a:t>
             </a:r>
           </a:p>
           <a:p>
@@ -13150,6 +13126,7 @@
             </a:avLst>
           </a:prstGeom>
           <a:ln>
+            <a:prstDash val="lgDash"/>
             <a:tailEnd type="triangle"/>
           </a:ln>
         </p:spPr>
@@ -13271,6 +13248,140 @@
           </a:p>
         </p:txBody>
       </p:sp>
+      <p:cxnSp>
+        <p:nvCxnSpPr>
+          <p:cNvPr id="20" name="Curved Connector 19">
+            <a:extLst>
+              <a:ext uri="{FF2B5EF4-FFF2-40B4-BE49-F238E27FC236}">
+                <a16:creationId xmlns:a16="http://schemas.microsoft.com/office/drawing/2014/main" id="{D0E74DD6-B436-124B-BBD2-D06AB8575E74}"/>
+              </a:ext>
+            </a:extLst>
+          </p:cNvPr>
+          <p:cNvCxnSpPr>
+            <a:cxnSpLocks/>
+            <a:stCxn id="9" idx="3"/>
+            <a:endCxn id="7" idx="3"/>
+          </p:cNvCxnSpPr>
+          <p:nvPr/>
+        </p:nvCxnSpPr>
+        <p:spPr>
+          <a:xfrm flipV="1">
+            <a:off x="7252569" y="2590672"/>
+            <a:ext cx="538619" cy="1288361"/>
+          </a:xfrm>
+          <a:prstGeom prst="curvedConnector3">
+            <a:avLst>
+              <a:gd name="adj1" fmla="val 142442"/>
+            </a:avLst>
+          </a:prstGeom>
+          <a:ln>
+            <a:prstDash val="lgDash"/>
+            <a:tailEnd type="triangle"/>
+          </a:ln>
+        </p:spPr>
+        <p:style>
+          <a:lnRef idx="1">
+            <a:schemeClr val="accent1"/>
+          </a:lnRef>
+          <a:fillRef idx="0">
+            <a:schemeClr val="accent1"/>
+          </a:fillRef>
+          <a:effectRef idx="0">
+            <a:schemeClr val="accent1"/>
+          </a:effectRef>
+          <a:fontRef idx="minor">
+            <a:schemeClr val="tx1"/>
+          </a:fontRef>
+        </p:style>
+      </p:cxnSp>
+      <p:sp>
+        <p:nvSpPr>
+          <p:cNvPr id="24" name="Multiply 23">
+            <a:extLst>
+              <a:ext uri="{FF2B5EF4-FFF2-40B4-BE49-F238E27FC236}">
+                <a16:creationId xmlns:a16="http://schemas.microsoft.com/office/drawing/2014/main" id="{95CFC1F6-2093-444A-AB76-9B593E1A7FDA}"/>
+              </a:ext>
+            </a:extLst>
+          </p:cNvPr>
+          <p:cNvSpPr/>
+          <p:nvPr/>
+        </p:nvSpPr>
+        <p:spPr>
+          <a:xfrm>
+            <a:off x="7816175" y="3136964"/>
+            <a:ext cx="368541" cy="291909"/>
+          </a:xfrm>
+          <a:prstGeom prst="mathMultiply">
+            <a:avLst/>
+          </a:prstGeom>
+        </p:spPr>
+        <p:style>
+          <a:lnRef idx="2">
+            <a:schemeClr val="accent1">
+              <a:shade val="50000"/>
+            </a:schemeClr>
+          </a:lnRef>
+          <a:fillRef idx="1">
+            <a:schemeClr val="accent1"/>
+          </a:fillRef>
+          <a:effectRef idx="0">
+            <a:schemeClr val="accent1"/>
+          </a:effectRef>
+          <a:fontRef idx="minor">
+            <a:schemeClr val="lt1"/>
+          </a:fontRef>
+        </p:style>
+        <p:txBody>
+          <a:bodyPr rtlCol="0" anchor="ctr"/>
+          <a:lstStyle/>
+          <a:p>
+            <a:pPr algn="ctr"/>
+            <a:endParaRPr lang="ru-RU"/>
+          </a:p>
+        </p:txBody>
+      </p:sp>
+      <p:cxnSp>
+        <p:nvCxnSpPr>
+          <p:cNvPr id="25" name="Straight Arrow Connector 24">
+            <a:extLst>
+              <a:ext uri="{FF2B5EF4-FFF2-40B4-BE49-F238E27FC236}">
+                <a16:creationId xmlns:a16="http://schemas.microsoft.com/office/drawing/2014/main" id="{C6B95675-4E96-F245-A304-0298D6584F4C}"/>
+              </a:ext>
+            </a:extLst>
+          </p:cNvPr>
+          <p:cNvCxnSpPr>
+            <a:cxnSpLocks/>
+          </p:cNvCxnSpPr>
+          <p:nvPr/>
+        </p:nvCxnSpPr>
+        <p:spPr>
+          <a:xfrm flipV="1">
+            <a:off x="7114783" y="3399372"/>
+            <a:ext cx="0" cy="329053"/>
+          </a:xfrm>
+          <a:prstGeom prst="straightConnector1">
+            <a:avLst/>
+          </a:prstGeom>
+          <a:ln>
+            <a:prstDash val="lgDash"/>
+            <a:tailEnd type="triangle"/>
+          </a:ln>
+        </p:spPr>
+        <p:style>
+          <a:lnRef idx="1">
+            <a:schemeClr val="accent1"/>
+          </a:lnRef>
+          <a:fillRef idx="0">
+            <a:schemeClr val="accent1"/>
+          </a:fillRef>
+          <a:effectRef idx="0">
+            <a:schemeClr val="accent1"/>
+          </a:effectRef>
+          <a:fontRef idx="minor">
+            <a:schemeClr val="tx1"/>
+          </a:fontRef>
+        </p:style>
+      </p:cxnSp>
     </p:spTree>
     <p:extLst>
       <p:ext uri="{BB962C8B-B14F-4D97-AF65-F5344CB8AC3E}">
@@ -13442,25 +13553,7 @@
                 <a:cs typeface="Source Code Pro"/>
                 <a:sym typeface="Source Code Pro"/>
               </a:rPr>
-              <a:t>	 </a:t>
-            </a:r>
-            <a:r>
-              <a:rPr lang="en-US" dirty="0" err="1">
-                <a:latin typeface="+mn-lt"/>
-                <a:ea typeface="Source Code Pro"/>
-                <a:cs typeface="Source Code Pro"/>
-                <a:sym typeface="Source Code Pro"/>
-              </a:rPr>
-              <a:t>ie</a:t>
-            </a:r>
-            <a:r>
-              <a:rPr lang="en-US" dirty="0">
-                <a:latin typeface="+mn-lt"/>
-                <a:ea typeface="Source Code Pro"/>
-                <a:cs typeface="Source Code Pro"/>
-                <a:sym typeface="Source Code Pro"/>
-              </a:rPr>
-              <a:t> separate analysis of </a:t>
+              <a:t>	-  Separate analysis of </a:t>
             </a:r>
             <a:r>
               <a:rPr lang="en-US" dirty="0" err="1">
@@ -13478,8 +13571,23 @@
                 <a:cs typeface="Source Code Pro"/>
                 <a:sym typeface="Source Code Pro"/>
               </a:rPr>
-              <a:t> </a:t>
+              <a:t> / </a:t>
             </a:r>
+            <a:r>
+              <a:rPr lang="en-US" dirty="0" err="1">
+                <a:latin typeface="+mn-lt"/>
+                <a:ea typeface="Source Code Pro"/>
+                <a:cs typeface="Source Code Pro"/>
+                <a:sym typeface="Source Code Pro"/>
+              </a:rPr>
+              <a:t>overachivers</a:t>
+            </a:r>
+            <a:endParaRPr lang="en-US" dirty="0">
+              <a:latin typeface="+mn-lt"/>
+              <a:ea typeface="Source Code Pro"/>
+              <a:cs typeface="Source Code Pro"/>
+              <a:sym typeface="Source Code Pro"/>
+            </a:endParaRPr>
           </a:p>
           <a:p>
             <a:pPr marL="139700">
@@ -13491,23 +13599,7 @@
                 <a:cs typeface="Source Code Pro"/>
                 <a:sym typeface="Source Code Pro"/>
               </a:rPr>
-              <a:t>	Split the </a:t>
-            </a:r>
-            <a:r>
-              <a:rPr lang="en-US" dirty="0" err="1">
-                <a:ea typeface="Source Code Pro"/>
-                <a:cs typeface="Source Code Pro"/>
-                <a:sym typeface="Source Code Pro"/>
-              </a:rPr>
-              <a:t>db</a:t>
-            </a:r>
-            <a:r>
-              <a:rPr lang="en-US" dirty="0">
-                <a:ea typeface="Source Code Pro"/>
-                <a:cs typeface="Source Code Pro"/>
-                <a:sym typeface="Source Code Pro"/>
-              </a:rPr>
-              <a:t> to high training number and the rest and to check for the results</a:t>
+              <a:t>	-  Split the data by number trainings</a:t>
             </a:r>
           </a:p>
           <a:p>
@@ -13834,8 +13926,8 @@
         </p:nvSpPr>
         <p:spPr>
           <a:xfrm>
-            <a:off x="1325850" y="1654950"/>
-            <a:ext cx="6732600" cy="2868000"/>
+            <a:off x="1007222" y="1389501"/>
+            <a:ext cx="7435320" cy="2868000"/>
           </a:xfrm>
           <a:prstGeom prst="rect">
             <a:avLst/>
@@ -13851,6 +13943,69 @@
           </a:bodyPr>
           <a:lstStyle/>
           <a:p>
+            <a:r>
+              <a:rPr lang="en-US" sz="1200" b="1" dirty="0"/>
+              <a:t>Dataset source: </a:t>
+            </a:r>
+            <a:r>
+              <a:rPr lang="en-US" sz="1200" dirty="0"/>
+              <a:t>materials of research article </a:t>
+            </a:r>
+          </a:p>
+          <a:p>
+            <a:r>
+              <a:rPr lang="en-US" sz="1200" dirty="0"/>
+              <a:t>Leonardo A. </a:t>
+            </a:r>
+            <a:r>
+              <a:rPr lang="en-US" sz="1200" dirty="0" err="1"/>
+              <a:t>Afonseca</a:t>
+            </a:r>
+            <a:r>
+              <a:rPr lang="en-US" sz="1200" dirty="0"/>
+              <a:t>, Renato N. Watanabe and Marcos Duarte</a:t>
+            </a:r>
+            <a:r>
+              <a:rPr lang="en-US" sz="1200" dirty="0">
+                <a:hlinkClick r:id="rId3">
+                  <a:extLst>
+                    <a:ext uri="{A12FA001-AC4F-418D-AE19-62706E023703}">
+                      <ahyp:hlinkClr xmlns:ahyp="http://schemas.microsoft.com/office/drawing/2018/hyperlinkcolor" val="tx"/>
+                    </a:ext>
+                  </a:extLst>
+                </a:hlinkClick>
+              </a:rPr>
+              <a:t>​</a:t>
+            </a:r>
+            <a:r>
+              <a:rPr lang="en-US" sz="1200" dirty="0"/>
+              <a:t>, ‘A worldwide comparison of long-distance running training in 2019 and 2020: associated effects of the COVID-19 pandemic’, 2022.</a:t>
+            </a:r>
+          </a:p>
+          <a:p>
+            <a:r>
+              <a:rPr lang="en-US" sz="1200" dirty="0"/>
+              <a:t> </a:t>
+            </a:r>
+            <a:endParaRPr lang="en-US" sz="1200" dirty="0">
+              <a:latin typeface="+mn-lt"/>
+              <a:ea typeface="Source Code Pro"/>
+              <a:cs typeface="Source Code Pro"/>
+              <a:sym typeface="Source Code Pro"/>
+            </a:endParaRPr>
+          </a:p>
+          <a:p>
+            <a:r>
+              <a:rPr lang="en-US" sz="1200" b="1" dirty="0">
+                <a:latin typeface="+mn-lt"/>
+                <a:ea typeface="Source Code Pro"/>
+                <a:cs typeface="Source Code Pro"/>
+                <a:sym typeface="Source Code Pro"/>
+              </a:rPr>
+              <a:t>Dataset details:</a:t>
+            </a:r>
+          </a:p>
+          <a:p>
             <a:pPr marL="311150" marR="0" lvl="0" indent="-171450" algn="l" rtl="0">
               <a:lnSpc>
                 <a:spcPct val="100000"/>
@@ -13869,36 +14024,14 @@
               <a:buChar char="•"/>
             </a:pPr>
             <a:r>
-              <a:rPr lang="en-US" sz="1200" b="0" i="0" u="none" strike="noStrike" cap="none" dirty="0">
-                <a:solidFill>
-                  <a:srgbClr val="000000"/>
-                </a:solidFill>
+              <a:rPr lang="en-US" sz="1200" dirty="0">
                 <a:latin typeface="+mn-lt"/>
                 <a:ea typeface="Source Code Pro"/>
                 <a:cs typeface="Source Code Pro"/>
                 <a:sym typeface="Source Code Pro"/>
               </a:rPr>
-              <a:t>[Research name]</a:t>
+              <a:t>Info scrapped from </a:t>
             </a:r>
-          </a:p>
-          <a:p>
-            <a:pPr marL="311150" marR="0" lvl="0" indent="-171450" algn="l" rtl="0">
-              <a:lnSpc>
-                <a:spcPct val="100000"/>
-              </a:lnSpc>
-              <a:spcBef>
-                <a:spcPts val="0"/>
-              </a:spcBef>
-              <a:spcAft>
-                <a:spcPts val="0"/>
-              </a:spcAft>
-              <a:buClr>
-                <a:srgbClr val="000000"/>
-              </a:buClr>
-              <a:buSzPts val="1400"/>
-              <a:buFont typeface="Arial" panose="020B0604020202020204" pitchFamily="34" charset="0"/>
-              <a:buChar char="•"/>
-            </a:pPr>
             <a:r>
               <a:rPr lang="en-US" sz="1200" dirty="0" err="1">
                 <a:latin typeface="+mn-lt"/>
@@ -13915,7 +14048,7 @@
                 <a:cs typeface="Source Code Pro"/>
                 <a:sym typeface="Source Code Pro"/>
               </a:rPr>
-              <a:t> scraped info</a:t>
+              <a:t> website</a:t>
             </a:r>
             <a:endParaRPr lang="en-US" sz="1200" b="0" i="0" u="none" strike="noStrike" cap="none" dirty="0">
               <a:solidFill>
@@ -13952,21 +14085,8 @@
                 <a:cs typeface="Source Code Pro"/>
                 <a:sym typeface="Source Code Pro"/>
               </a:rPr>
-              <a:t>Daily trainings for participants of various running marathons (i.e. “majors”)</a:t>
+              <a:t>Daily trainings for participants of various running marathons (i.e. “majors”) across the globe</a:t>
             </a:r>
-          </a:p>
-          <a:p>
-            <a:pPr marL="311150" lvl="2" indent="-171450">
-              <a:buSzPts val="1400"/>
-              <a:buFont typeface="Arial" panose="020B0604020202020204" pitchFamily="34" charset="0"/>
-              <a:buChar char="•"/>
-            </a:pPr>
-            <a:endParaRPr lang="en-US" sz="1200" dirty="0">
-              <a:latin typeface="+mn-lt"/>
-              <a:ea typeface="Source Code Pro"/>
-              <a:cs typeface="Source Code Pro"/>
-              <a:sym typeface="Source Code Pro"/>
-            </a:endParaRPr>
           </a:p>
           <a:p>
             <a:pPr marL="673100" marR="0" lvl="0" indent="-168275" algn="l" rtl="0">
@@ -13993,7 +14113,7 @@
                 <a:cs typeface="Source Code Pro"/>
                 <a:sym typeface="Source Code Pro"/>
               </a:rPr>
-              <a:t>Year 2019 </a:t>
+              <a:t>365 days of year 2019 </a:t>
             </a:r>
           </a:p>
           <a:p>
@@ -14025,7 +14145,111 @@
             </a:r>
           </a:p>
           <a:p>
-            <a:pPr marL="673100" marR="0" lvl="0" indent="-168275" algn="l" rtl="0">
+            <a:pPr marL="673100" lvl="0" indent="-168275">
+              <a:buSzPts val="1400"/>
+              <a:buFont typeface="Arial" panose="020B0604020202020204" pitchFamily="34" charset="0"/>
+              <a:buChar char="•"/>
+            </a:pPr>
+            <a:r>
+              <a:rPr lang="en-US" sz="1200" dirty="0">
+                <a:latin typeface="+mn-lt"/>
+                <a:ea typeface="Source Code Pro"/>
+                <a:cs typeface="Source Code Pro"/>
+                <a:sym typeface="Source Code Pro"/>
+              </a:rPr>
+              <a:t>Date, </a:t>
+            </a:r>
+            <a:r>
+              <a:rPr lang="en-US" sz="1200" dirty="0">
+                <a:ea typeface="Source Code Pro"/>
+                <a:cs typeface="Source Code Pro"/>
+                <a:sym typeface="Source Code Pro"/>
+              </a:rPr>
+              <a:t>athlete’s #, </a:t>
+            </a:r>
+            <a:r>
+              <a:rPr lang="en-US" sz="1200" dirty="0">
+                <a:latin typeface="+mn-lt"/>
+                <a:ea typeface="Source Code Pro"/>
+                <a:cs typeface="Source Code Pro"/>
+                <a:sym typeface="Source Code Pro"/>
+              </a:rPr>
+              <a:t>distance and duration (time), country, age group, gender, </a:t>
+            </a:r>
+            <a:r>
+              <a:rPr lang="en-US" sz="1200" dirty="0">
+                <a:ea typeface="Source Code Pro"/>
+                <a:cs typeface="Source Code Pro"/>
+                <a:sym typeface="Source Code Pro"/>
+              </a:rPr>
+              <a:t>major(s)</a:t>
+            </a:r>
+            <a:endParaRPr lang="en-US" sz="1200" dirty="0">
+              <a:latin typeface="+mn-lt"/>
+              <a:ea typeface="Source Code Pro"/>
+              <a:cs typeface="Source Code Pro"/>
+              <a:sym typeface="Source Code Pro"/>
+            </a:endParaRPr>
+          </a:p>
+          <a:p>
+            <a:pPr marL="504825" marR="0" lvl="0" algn="l" rtl="0">
+              <a:lnSpc>
+                <a:spcPct val="100000"/>
+              </a:lnSpc>
+              <a:spcBef>
+                <a:spcPts val="0"/>
+              </a:spcBef>
+              <a:spcAft>
+                <a:spcPts val="0"/>
+              </a:spcAft>
+              <a:buClr>
+                <a:srgbClr val="000000"/>
+              </a:buClr>
+              <a:buSzPts val="1400"/>
+            </a:pPr>
+            <a:endParaRPr lang="en-US" sz="1200" dirty="0">
+              <a:latin typeface="+mn-lt"/>
+              <a:ea typeface="Source Code Pro"/>
+              <a:cs typeface="Source Code Pro"/>
+              <a:sym typeface="Source Code Pro"/>
+            </a:endParaRPr>
+          </a:p>
+          <a:p>
+            <a:pPr marL="11113" marR="0" lvl="0" algn="l" rtl="0">
+              <a:lnSpc>
+                <a:spcPct val="100000"/>
+              </a:lnSpc>
+              <a:spcBef>
+                <a:spcPts val="0"/>
+              </a:spcBef>
+              <a:spcAft>
+                <a:spcPts val="0"/>
+              </a:spcAft>
+              <a:buClr>
+                <a:srgbClr val="000000"/>
+              </a:buClr>
+              <a:buSzPts val="1400"/>
+            </a:pPr>
+            <a:r>
+              <a:rPr lang="en-US" sz="1200" b="1" dirty="0">
+                <a:latin typeface="+mn-lt"/>
+                <a:ea typeface="Source Code Pro"/>
+                <a:sym typeface="Source Code Pro"/>
+              </a:rPr>
+              <a:t>Dataset limitations</a:t>
+            </a:r>
+            <a:r>
+              <a:rPr lang="en-US" sz="1200" dirty="0">
+                <a:latin typeface="+mn-lt"/>
+                <a:ea typeface="Source Code Pro"/>
+                <a:cs typeface="Source Code Pro"/>
+                <a:sym typeface="Source Code Pro"/>
+              </a:rPr>
+              <a:t>:</a:t>
+            </a:r>
+          </a:p>
+          <a:p>
+            <a:pPr marL="311150" marR="0" lvl="0" indent="-171450" algn="l" rtl="0">
               <a:lnSpc>
                 <a:spcPct val="100000"/>
               </a:lnSpc>
@@ -14049,88 +14273,7 @@
                 <a:cs typeface="Source Code Pro"/>
                 <a:sym typeface="Source Code Pro"/>
               </a:rPr>
-              <a:t>Every training – date, distance and duration (time)</a:t>
-            </a:r>
-          </a:p>
-          <a:p>
-            <a:pPr marL="673100" marR="0" lvl="0" indent="-168275" algn="l" rtl="0">
-              <a:lnSpc>
-                <a:spcPct val="100000"/>
-              </a:lnSpc>
-              <a:spcBef>
-                <a:spcPts val="0"/>
-              </a:spcBef>
-              <a:spcAft>
-                <a:spcPts val="0"/>
-              </a:spcAft>
-              <a:buClr>
-                <a:srgbClr val="000000"/>
-              </a:buClr>
-              <a:buSzPts val="1400"/>
-              <a:buFont typeface="Arial" panose="020B0604020202020204" pitchFamily="34" charset="0"/>
-              <a:buChar char="•"/>
-            </a:pPr>
-            <a:r>
-              <a:rPr lang="en-US" sz="1200" dirty="0">
-                <a:latin typeface="+mn-lt"/>
-                <a:ea typeface="Source Code Pro"/>
-                <a:cs typeface="Source Code Pro"/>
-                <a:sym typeface="Source Code Pro"/>
-              </a:rPr>
-              <a:t>For every athlete – major, country, age group, gender</a:t>
-            </a:r>
-          </a:p>
-          <a:p>
-            <a:pPr marL="311150" marR="0" lvl="0" indent="-171450" algn="l" rtl="0">
-              <a:lnSpc>
-                <a:spcPct val="100000"/>
-              </a:lnSpc>
-              <a:spcBef>
-                <a:spcPts val="0"/>
-              </a:spcBef>
-              <a:spcAft>
-                <a:spcPts val="0"/>
-              </a:spcAft>
-              <a:buClr>
-                <a:srgbClr val="000000"/>
-              </a:buClr>
-              <a:buSzPts val="1400"/>
-              <a:buFont typeface="Arial" panose="020B0604020202020204" pitchFamily="34" charset="0"/>
-              <a:buChar char="•"/>
-            </a:pPr>
-            <a:endParaRPr lang="en-US" sz="1200" dirty="0">
-              <a:latin typeface="+mn-lt"/>
-              <a:ea typeface="Source Code Pro"/>
-              <a:cs typeface="Source Code Pro"/>
-              <a:sym typeface="Source Code Pro"/>
-            </a:endParaRPr>
-          </a:p>
-          <a:p>
-            <a:pPr marL="311150" marR="0" lvl="0" indent="-171450" algn="l" rtl="0">
-              <a:lnSpc>
-                <a:spcPct val="100000"/>
-              </a:lnSpc>
-              <a:spcBef>
-                <a:spcPts val="0"/>
-              </a:spcBef>
-              <a:spcAft>
-                <a:spcPts val="0"/>
-              </a:spcAft>
-              <a:buClr>
-                <a:srgbClr val="000000"/>
-              </a:buClr>
-              <a:buSzPts val="1400"/>
-              <a:buFont typeface="Arial" panose="020B0604020202020204" pitchFamily="34" charset="0"/>
-              <a:buChar char="•"/>
-            </a:pPr>
-            <a:r>
-              <a:rPr lang="en-US" sz="1200" dirty="0">
-                <a:latin typeface="+mn-lt"/>
-                <a:ea typeface="Source Code Pro"/>
-                <a:cs typeface="Source Code Pro"/>
-                <a:sym typeface="Source Code Pro"/>
-              </a:rPr>
-              <a:t>14 </a:t>
+              <a:t>Not all trainings are in </a:t>
             </a:r>
             <a:r>
               <a:rPr lang="en-US" sz="1200" dirty="0" err="1">
@@ -14139,111 +14282,7 @@
                 <a:cs typeface="Source Code Pro"/>
                 <a:sym typeface="Source Code Pro"/>
               </a:rPr>
-              <a:t>mln</a:t>
-            </a:r>
-            <a:r>
-              <a:rPr lang="en-US" sz="1200" dirty="0">
-                <a:latin typeface="+mn-lt"/>
-                <a:ea typeface="Source Code Pro"/>
-                <a:cs typeface="Source Code Pro"/>
-                <a:sym typeface="Source Code Pro"/>
-              </a:rPr>
-              <a:t> of entries for X athletes</a:t>
-            </a:r>
-          </a:p>
-          <a:p>
-            <a:pPr marL="139700" marR="0" lvl="0" algn="l" rtl="0">
-              <a:lnSpc>
-                <a:spcPct val="100000"/>
-              </a:lnSpc>
-              <a:spcBef>
-                <a:spcPts val="0"/>
-              </a:spcBef>
-              <a:spcAft>
-                <a:spcPts val="0"/>
-              </a:spcAft>
-              <a:buClr>
-                <a:srgbClr val="000000"/>
-              </a:buClr>
-              <a:buSzPts val="1400"/>
-            </a:pPr>
-            <a:endParaRPr lang="en-US" sz="1200" dirty="0">
-              <a:latin typeface="+mn-lt"/>
-              <a:ea typeface="Source Code Pro"/>
-              <a:cs typeface="Source Code Pro"/>
-              <a:sym typeface="Source Code Pro"/>
-            </a:endParaRPr>
-          </a:p>
-          <a:p>
-            <a:pPr marL="139700" marR="0" lvl="0" algn="l" rtl="0">
-              <a:lnSpc>
-                <a:spcPct val="100000"/>
-              </a:lnSpc>
-              <a:spcBef>
-                <a:spcPts val="0"/>
-              </a:spcBef>
-              <a:spcAft>
-                <a:spcPts val="0"/>
-              </a:spcAft>
-              <a:buClr>
-                <a:srgbClr val="000000"/>
-              </a:buClr>
-              <a:buSzPts val="1400"/>
-            </a:pPr>
-            <a:r>
-              <a:rPr lang="en-US" sz="1200" dirty="0">
-                <a:latin typeface="+mn-lt"/>
-                <a:ea typeface="Source Code Pro"/>
-                <a:cs typeface="Source Code Pro"/>
-                <a:sym typeface="Source Code Pro"/>
-              </a:rPr>
-              <a:t>Limitations:</a:t>
-            </a:r>
-          </a:p>
-          <a:p>
-            <a:pPr marL="311150" marR="0" lvl="0" indent="-171450" algn="l" rtl="0">
-              <a:lnSpc>
-                <a:spcPct val="100000"/>
-              </a:lnSpc>
-              <a:spcBef>
-                <a:spcPts val="0"/>
-              </a:spcBef>
-              <a:spcAft>
-                <a:spcPts val="0"/>
-              </a:spcAft>
-              <a:buClr>
-                <a:srgbClr val="000000"/>
-              </a:buClr>
-              <a:buSzPts val="1400"/>
-              <a:buFont typeface="Arial" panose="020B0604020202020204" pitchFamily="34" charset="0"/>
-              <a:buChar char="•"/>
-            </a:pPr>
-            <a:r>
-              <a:rPr lang="en-US" sz="1200" dirty="0" err="1">
-                <a:latin typeface="+mn-lt"/>
-                <a:ea typeface="Source Code Pro"/>
-                <a:cs typeface="Source Code Pro"/>
-                <a:sym typeface="Source Code Pro"/>
-              </a:rPr>
               <a:t>Strava</a:t>
-            </a:r>
-            <a:r>
-              <a:rPr lang="en-US" sz="1200" dirty="0">
-                <a:latin typeface="+mn-lt"/>
-                <a:ea typeface="Source Code Pro"/>
-                <a:cs typeface="Source Code Pro"/>
-                <a:sym typeface="Source Code Pro"/>
-              </a:rPr>
-              <a:t> scraped – not all trainings are in </a:t>
-            </a:r>
-            <a:r>
-              <a:rPr lang="en-US" sz="1200" dirty="0" err="1">
-                <a:latin typeface="+mn-lt"/>
-                <a:ea typeface="Source Code Pro"/>
-                <a:cs typeface="Source Code Pro"/>
-                <a:sym typeface="Source Code Pro"/>
-              </a:rPr>
-              <a:t>strava</a:t>
             </a:r>
             <a:endParaRPr lang="en-US" sz="1200" dirty="0">
               <a:latin typeface="+mn-lt"/>
@@ -14302,6 +14341,88 @@
               <a:cs typeface="Source Code Pro"/>
               <a:sym typeface="Source Code Pro"/>
             </a:endParaRPr>
+          </a:p>
+        </p:txBody>
+      </p:sp>
+      <p:pic>
+        <p:nvPicPr>
+          <p:cNvPr id="4" name="Picture 3">
+            <a:extLst>
+              <a:ext uri="{FF2B5EF4-FFF2-40B4-BE49-F238E27FC236}">
+                <a16:creationId xmlns:a16="http://schemas.microsoft.com/office/drawing/2014/main" id="{16C3EA03-9A57-2541-AC7E-996BEF963DBE}"/>
+              </a:ext>
+            </a:extLst>
+          </p:cNvPr>
+          <p:cNvPicPr>
+            <a:picLocks noChangeAspect="1"/>
+          </p:cNvPicPr>
+          <p:nvPr/>
+        </p:nvPicPr>
+        <p:blipFill>
+          <a:blip r:embed="rId4"/>
+          <a:stretch>
+            <a:fillRect/>
+          </a:stretch>
+        </p:blipFill>
+        <p:spPr>
+          <a:xfrm>
+            <a:off x="3895593" y="3520696"/>
+            <a:ext cx="4466877" cy="736805"/>
+          </a:xfrm>
+          <a:prstGeom prst="rect">
+            <a:avLst/>
+          </a:prstGeom>
+        </p:spPr>
+      </p:pic>
+      <p:sp>
+        <p:nvSpPr>
+          <p:cNvPr id="2" name="Rectangle 1">
+            <a:extLst>
+              <a:ext uri="{FF2B5EF4-FFF2-40B4-BE49-F238E27FC236}">
+                <a16:creationId xmlns:a16="http://schemas.microsoft.com/office/drawing/2014/main" id="{DF25241F-127A-FA4A-826E-878AB5DD9CD7}"/>
+              </a:ext>
+            </a:extLst>
+          </p:cNvPr>
+          <p:cNvSpPr/>
+          <p:nvPr/>
+        </p:nvSpPr>
+        <p:spPr>
+          <a:xfrm>
+            <a:off x="3807912" y="3407079"/>
+            <a:ext cx="4634630" cy="989557"/>
+          </a:xfrm>
+          <a:prstGeom prst="rect">
+            <a:avLst/>
+          </a:prstGeom>
+          <a:noFill/>
+          <a:ln w="12700">
+            <a:solidFill>
+              <a:srgbClr val="FFC000"/>
+            </a:solidFill>
+          </a:ln>
+        </p:spPr>
+        <p:style>
+          <a:lnRef idx="2">
+            <a:schemeClr val="accent1">
+              <a:shade val="50000"/>
+            </a:schemeClr>
+          </a:lnRef>
+          <a:fillRef idx="1">
+            <a:schemeClr val="accent1"/>
+          </a:fillRef>
+          <a:effectRef idx="0">
+            <a:schemeClr val="accent1"/>
+          </a:effectRef>
+          <a:fontRef idx="minor">
+            <a:schemeClr val="lt1"/>
+          </a:fontRef>
+        </p:style>
+        <p:txBody>
+          <a:bodyPr rtlCol="0" anchor="ctr"/>
+          <a:lstStyle/>
+          <a:p>
+            <a:pPr algn="ctr"/>
+            <a:endParaRPr lang="ru-RU"/>
           </a:p>
         </p:txBody>
       </p:sp>
@@ -14440,7 +14561,14 @@
             <a:pPr algn="ctr"/>
             <a:r>
               <a:rPr lang="en-US" dirty="0"/>
-              <a:t>14.5mln</a:t>
+              <a:t>13.3m rows</a:t>
+            </a:r>
+          </a:p>
+          <a:p>
+            <a:pPr algn="ctr"/>
+            <a:r>
+              <a:rPr lang="en-US" dirty="0"/>
+              <a:t>36k athletes</a:t>
             </a:r>
           </a:p>
           <a:p>
@@ -14501,7 +14629,7 @@
             <a:pPr algn="ctr"/>
             <a:r>
               <a:rPr lang="en-US" dirty="0"/>
-              <a:t>4.5mln</a:t>
+              <a:t>4.7m</a:t>
             </a:r>
             <a:endParaRPr lang="ru-RU" dirty="0"/>
           </a:p>
@@ -14551,7 +14679,7 @@
             <a:pPr algn="ctr"/>
             <a:r>
               <a:rPr lang="en-US" dirty="0"/>
-              <a:t>400k</a:t>
+              <a:t>478k</a:t>
             </a:r>
             <a:endParaRPr lang="ru-RU" dirty="0"/>
           </a:p>
@@ -14601,7 +14729,7 @@
             <a:pPr algn="ctr"/>
             <a:r>
               <a:rPr lang="en-US" dirty="0"/>
-              <a:t>3.8k</a:t>
+              <a:t>3.7k</a:t>
             </a:r>
             <a:endParaRPr lang="ru-RU" dirty="0"/>
           </a:p>
@@ -15114,7 +15242,7 @@
         </p:nvCxnSpPr>
         <p:spPr>
           <a:xfrm flipV="1">
-            <a:off x="3270324" y="1792092"/>
+            <a:off x="3282850" y="1792092"/>
             <a:ext cx="0" cy="436232"/>
           </a:xfrm>
           <a:prstGeom prst="straightConnector1">
@@ -15183,7 +15311,7 @@
             <a:pPr algn="ctr"/>
             <a:r>
               <a:rPr lang="en-US" dirty="0"/>
-              <a:t>300k</a:t>
+              <a:t>371k</a:t>
             </a:r>
             <a:endParaRPr lang="ru-RU" dirty="0"/>
           </a:p>
@@ -15203,7 +15331,7 @@
         </p:nvSpPr>
         <p:spPr>
           <a:xfrm>
-            <a:off x="4219957" y="1129423"/>
+            <a:off x="4215651" y="1308107"/>
             <a:ext cx="1271719" cy="598426"/>
           </a:xfrm>
           <a:prstGeom prst="rect">
@@ -15251,14 +15379,6 @@
           </a:p>
           <a:p>
             <a:pPr algn="ctr"/>
-            <a:r>
-              <a:rPr lang="en-US" sz="1200" dirty="0">
-                <a:solidFill>
-                  <a:schemeClr val="tx1"/>
-                </a:solidFill>
-              </a:rPr>
-              <a:t>trainings</a:t>
-            </a:r>
             <a:endParaRPr lang="ru-RU" sz="1200" dirty="0">
               <a:solidFill>
                 <a:schemeClr val="tx1"/>
@@ -15415,7 +15535,7 @@
             <a:pPr algn="ctr"/>
             <a:r>
               <a:rPr lang="en-US" dirty="0"/>
-              <a:t>3.2k</a:t>
+              <a:t>3.4k</a:t>
             </a:r>
             <a:endParaRPr lang="ru-RU" dirty="0"/>
           </a:p>
@@ -16599,93 +16719,6 @@
       </p:sp>
       <p:sp>
         <p:nvSpPr>
-          <p:cNvPr id="50" name="Rectangle 49">
-            <a:extLst>
-              <a:ext uri="{FF2B5EF4-FFF2-40B4-BE49-F238E27FC236}">
-                <a16:creationId xmlns:a16="http://schemas.microsoft.com/office/drawing/2014/main" id="{FB1D8233-C7B8-6E4C-9041-D7DDA03C1B2B}"/>
-              </a:ext>
-            </a:extLst>
-          </p:cNvPr>
-          <p:cNvSpPr/>
-          <p:nvPr/>
-        </p:nvSpPr>
-        <p:spPr>
-          <a:xfrm>
-            <a:off x="7319190" y="1635174"/>
-            <a:ext cx="1519743" cy="373140"/>
-          </a:xfrm>
-          <a:prstGeom prst="rect">
-            <a:avLst/>
-          </a:prstGeom>
-          <a:noFill/>
-          <a:ln>
-            <a:noFill/>
-          </a:ln>
-        </p:spPr>
-        <p:style>
-          <a:lnRef idx="2">
-            <a:schemeClr val="accent1">
-              <a:shade val="50000"/>
-            </a:schemeClr>
-          </a:lnRef>
-          <a:fillRef idx="1">
-            <a:schemeClr val="accent1"/>
-          </a:fillRef>
-          <a:effectRef idx="0">
-            <a:schemeClr val="accent1"/>
-          </a:effectRef>
-          <a:fontRef idx="minor">
-            <a:schemeClr val="lt1"/>
-          </a:fontRef>
-        </p:style>
-        <p:txBody>
-          <a:bodyPr rtlCol="0" anchor="ctr"/>
-          <a:lstStyle/>
-          <a:p>
-            <a:pPr algn="ctr"/>
-            <a:r>
-              <a:rPr lang="en-US" sz="800" dirty="0">
-                <a:solidFill>
-                  <a:schemeClr val="accent1"/>
-                </a:solidFill>
-              </a:rPr>
-              <a:t>”almost died and </a:t>
-            </a:r>
-          </a:p>
-          <a:p>
-            <a:pPr algn="ctr"/>
-            <a:r>
-              <a:rPr lang="en-US" sz="800" dirty="0">
-                <a:solidFill>
-                  <a:schemeClr val="accent1"/>
-                </a:solidFill>
-              </a:rPr>
-              <a:t>forgot to switch off </a:t>
-            </a:r>
-          </a:p>
-          <a:p>
-            <a:pPr algn="ctr"/>
-            <a:r>
-              <a:rPr lang="en-US" sz="800" dirty="0">
-                <a:solidFill>
-                  <a:schemeClr val="accent1"/>
-                </a:solidFill>
-              </a:rPr>
-              <a:t>my Garmin”</a:t>
-            </a:r>
-          </a:p>
-          <a:p>
-            <a:pPr algn="ctr"/>
-            <a:endParaRPr lang="ru-RU" sz="800" dirty="0">
-              <a:solidFill>
-                <a:schemeClr val="accent1"/>
-              </a:solidFill>
-            </a:endParaRPr>
-          </a:p>
-        </p:txBody>
-      </p:sp>
-      <p:sp>
-        <p:nvSpPr>
           <p:cNvPr id="51" name="Rounded Rectangle 50">
             <a:extLst>
               <a:ext uri="{FF2B5EF4-FFF2-40B4-BE49-F238E27FC236}">
@@ -16866,123 +16899,6 @@
           </a:p>
         </p:txBody>
       </p:sp>
-      <p:sp>
-        <p:nvSpPr>
-          <p:cNvPr id="54" name="Rectangle 53">
-            <a:extLst>
-              <a:ext uri="{FF2B5EF4-FFF2-40B4-BE49-F238E27FC236}">
-                <a16:creationId xmlns:a16="http://schemas.microsoft.com/office/drawing/2014/main" id="{A72F7E0E-D50F-1146-AA89-08F2816E95DA}"/>
-              </a:ext>
-            </a:extLst>
-          </p:cNvPr>
-          <p:cNvSpPr/>
-          <p:nvPr/>
-        </p:nvSpPr>
-        <p:spPr>
-          <a:xfrm>
-            <a:off x="4769226" y="3008057"/>
-            <a:ext cx="1519743" cy="373140"/>
-          </a:xfrm>
-          <a:prstGeom prst="rect">
-            <a:avLst/>
-          </a:prstGeom>
-          <a:noFill/>
-          <a:ln>
-            <a:noFill/>
-          </a:ln>
-        </p:spPr>
-        <p:style>
-          <a:lnRef idx="2">
-            <a:schemeClr val="accent1">
-              <a:shade val="50000"/>
-            </a:schemeClr>
-          </a:lnRef>
-          <a:fillRef idx="1">
-            <a:schemeClr val="accent1"/>
-          </a:fillRef>
-          <a:effectRef idx="0">
-            <a:schemeClr val="accent1"/>
-          </a:effectRef>
-          <a:fontRef idx="minor">
-            <a:schemeClr val="lt1"/>
-          </a:fontRef>
-        </p:style>
-        <p:txBody>
-          <a:bodyPr rtlCol="0" anchor="ctr"/>
-          <a:lstStyle/>
-          <a:p>
-            <a:pPr algn="ctr"/>
-            <a:r>
-              <a:rPr lang="en-US" sz="800" dirty="0">
-                <a:solidFill>
-                  <a:schemeClr val="accent1"/>
-                </a:solidFill>
-              </a:rPr>
-              <a:t>Gary </a:t>
-            </a:r>
-          </a:p>
-          <a:p>
-            <a:pPr algn="ctr"/>
-            <a:r>
-              <a:rPr lang="en-US" sz="800" dirty="0">
-                <a:solidFill>
-                  <a:schemeClr val="accent1"/>
-                </a:solidFill>
-              </a:rPr>
-              <a:t>the Snail</a:t>
-            </a:r>
-          </a:p>
-          <a:p>
-            <a:pPr algn="ctr"/>
-            <a:endParaRPr lang="ru-RU" sz="800" dirty="0">
-              <a:solidFill>
-                <a:schemeClr val="accent1"/>
-              </a:solidFill>
-            </a:endParaRPr>
-          </a:p>
-        </p:txBody>
-      </p:sp>
-      <p:cxnSp>
-        <p:nvCxnSpPr>
-          <p:cNvPr id="55" name="Straight Arrow Connector 54">
-            <a:extLst>
-              <a:ext uri="{FF2B5EF4-FFF2-40B4-BE49-F238E27FC236}">
-                <a16:creationId xmlns:a16="http://schemas.microsoft.com/office/drawing/2014/main" id="{37098943-8978-594C-9E6B-D191BEFE1F57}"/>
-              </a:ext>
-            </a:extLst>
-          </p:cNvPr>
-          <p:cNvCxnSpPr>
-            <a:cxnSpLocks/>
-          </p:cNvCxnSpPr>
-          <p:nvPr/>
-        </p:nvCxnSpPr>
-        <p:spPr>
-          <a:xfrm>
-            <a:off x="5548097" y="3307301"/>
-            <a:ext cx="28629" cy="231721"/>
-          </a:xfrm>
-          <a:prstGeom prst="straightConnector1">
-            <a:avLst/>
-          </a:prstGeom>
-          <a:ln>
-            <a:tailEnd type="triangle"/>
-          </a:ln>
-        </p:spPr>
-        <p:style>
-          <a:lnRef idx="1">
-            <a:schemeClr val="accent1"/>
-          </a:lnRef>
-          <a:fillRef idx="0">
-            <a:schemeClr val="accent1"/>
-          </a:fillRef>
-          <a:effectRef idx="0">
-            <a:schemeClr val="accent1"/>
-          </a:effectRef>
-          <a:fontRef idx="minor">
-            <a:schemeClr val="tx1"/>
-          </a:fontRef>
-        </p:style>
-      </p:cxnSp>
       <p:cxnSp>
         <p:nvCxnSpPr>
           <p:cNvPr id="58" name="Straight Arrow Connector 57">
@@ -17240,58 +17156,6 @@
       </p:sp>
       <p:sp>
         <p:nvSpPr>
-          <p:cNvPr id="71" name="Oval 70">
-            <a:extLst>
-              <a:ext uri="{FF2B5EF4-FFF2-40B4-BE49-F238E27FC236}">
-                <a16:creationId xmlns:a16="http://schemas.microsoft.com/office/drawing/2014/main" id="{4702BA72-C658-4043-BCAF-BB3BFA2BECDE}"/>
-              </a:ext>
-            </a:extLst>
-          </p:cNvPr>
-          <p:cNvSpPr/>
-          <p:nvPr/>
-        </p:nvSpPr>
-        <p:spPr>
-          <a:xfrm>
-            <a:off x="7682519" y="1994816"/>
-            <a:ext cx="793086" cy="362068"/>
-          </a:xfrm>
-          <a:prstGeom prst="ellipse">
-            <a:avLst/>
-          </a:prstGeom>
-          <a:noFill/>
-          <a:ln w="3175">
-            <a:solidFill>
-              <a:srgbClr val="FFC000"/>
-            </a:solidFill>
-          </a:ln>
-        </p:spPr>
-        <p:style>
-          <a:lnRef idx="2">
-            <a:schemeClr val="accent1">
-              <a:shade val="50000"/>
-            </a:schemeClr>
-          </a:lnRef>
-          <a:fillRef idx="1">
-            <a:schemeClr val="accent1"/>
-          </a:fillRef>
-          <a:effectRef idx="0">
-            <a:schemeClr val="accent1"/>
-          </a:effectRef>
-          <a:fontRef idx="minor">
-            <a:schemeClr val="lt1"/>
-          </a:fontRef>
-        </p:style>
-        <p:txBody>
-          <a:bodyPr rtlCol="0" anchor="ctr"/>
-          <a:lstStyle/>
-          <a:p>
-            <a:pPr algn="ctr"/>
-            <a:endParaRPr lang="ru-RU"/>
-          </a:p>
-        </p:txBody>
-      </p:sp>
-      <p:sp>
-        <p:nvSpPr>
           <p:cNvPr id="72" name="Rectangle 71">
             <a:extLst>
               <a:ext uri="{FF2B5EF4-FFF2-40B4-BE49-F238E27FC236}">
@@ -17440,7 +17304,7 @@
                   <a:schemeClr val="bg1"/>
                 </a:solidFill>
               </a:rPr>
-              <a:t>3,3k athletes/300k train.:</a:t>
+              <a:t>3.4k athletes/371k train.:</a:t>
             </a:r>
           </a:p>
           <a:p>
@@ -17731,7 +17595,7 @@
                 <a:cs typeface="Source Code Pro"/>
                 <a:sym typeface="Source Code Pro"/>
               </a:rPr>
-              <a:t>&lt; 7 hours</a:t>
+              <a:t>&lt; 5 hours</a:t>
             </a:r>
             <a:endParaRPr sz="1200" b="0" i="0" u="none" strike="noStrike" cap="none" dirty="0">
               <a:solidFill>
@@ -18363,7 +18227,7 @@
           <a:prstGeom prst="line">
             <a:avLst/>
           </a:prstGeom>
-          <a:ln w="19050">
+          <a:ln w="15875">
             <a:solidFill>
               <a:srgbClr val="FFC000"/>
             </a:solidFill>
@@ -18406,7 +18270,7 @@
           <a:prstGeom prst="line">
             <a:avLst/>
           </a:prstGeom>
-          <a:ln w="19050">
+          <a:ln w="15875">
             <a:solidFill>
               <a:srgbClr val="FFC000"/>
             </a:solidFill>
@@ -18449,7 +18313,7 @@
           <a:prstGeom prst="line">
             <a:avLst/>
           </a:prstGeom>
-          <a:ln w="19050">
+          <a:ln w="15875">
             <a:solidFill>
               <a:srgbClr val="FFC000"/>
             </a:solidFill>
@@ -18492,7 +18356,7 @@
           <a:prstGeom prst="line">
             <a:avLst/>
           </a:prstGeom>
-          <a:ln w="19050">
+          <a:ln w="15875">
             <a:solidFill>
               <a:srgbClr val="FFC000"/>
             </a:solidFill>
@@ -18535,10 +18399,11 @@
           <a:prstGeom prst="line">
             <a:avLst/>
           </a:prstGeom>
-          <a:ln w="19050">
+          <a:ln w="15875">
             <a:solidFill>
               <a:srgbClr val="FFC000"/>
             </a:solidFill>
+            <a:prstDash val="lgDash"/>
           </a:ln>
         </p:spPr>
         <p:style>
@@ -19605,31 +19470,6 @@
                 <a:cs typeface="Source Code Pro"/>
                 <a:sym typeface="Source Code Pro"/>
               </a:rPr>
-              <a:t>The data is very homogenously distributed. </a:t>
-            </a:r>
-          </a:p>
-          <a:p>
-            <a:pPr marL="457200" marR="0" lvl="0" indent="-317500" algn="l" rtl="0">
-              <a:lnSpc>
-                <a:spcPct val="100000"/>
-              </a:lnSpc>
-              <a:spcAft>
-                <a:spcPts val="400"/>
-              </a:spcAft>
-              <a:buClr>
-                <a:srgbClr val="000000"/>
-              </a:buClr>
-              <a:buSzPts val="1400"/>
-              <a:buFont typeface="Source Code Pro"/>
-              <a:buChar char="●"/>
-            </a:pPr>
-            <a:r>
-              <a:rPr lang="en-US" sz="1200" dirty="0">
-                <a:latin typeface="+mn-lt"/>
-                <a:ea typeface="Source Code Pro"/>
-                <a:cs typeface="Source Code Pro"/>
-                <a:sym typeface="Source Code Pro"/>
-              </a:rPr>
               <a:t>Correlation between many variables is very high</a:t>
             </a:r>
           </a:p>
@@ -20078,7 +19918,7 @@
                 <a:cs typeface="Source Code Pro"/>
                 <a:sym typeface="Source Code Pro"/>
               </a:rPr>
-              <a:t>The dependency does not look quite linear but KNN regression gave us r2 score hardly above 0.65 </a:t>
+              <a:t>The dependency does not look quite linear but KNN regressions gave us r^2 score hardly above 0.65 </a:t>
             </a:r>
           </a:p>
           <a:p>
@@ -20853,7 +20693,7 @@
                 <a:cs typeface="Source Code Pro"/>
                 <a:sym typeface="Source Code Pro"/>
               </a:rPr>
-              <a:t>New variables, subject to the selection, give us R^2 in the range of 0.6-0.74 (+3bp) -&gt; no significant contribution to our model.</a:t>
+              <a:t>New variables, subject to the selection, give us R^2 in the range of 0.6-0.74 (+3bp) -&gt; no significant contribution to previous plain-vanilla model</a:t>
             </a:r>
           </a:p>
           <a:p>
@@ -21113,6 +20953,137 @@
           <a:p>
             <a:pPr algn="ctr"/>
             <a:endParaRPr lang="ru-RU"/>
+          </a:p>
+        </p:txBody>
+      </p:sp>
+      <p:sp>
+        <p:nvSpPr>
+          <p:cNvPr id="30" name="Google Shape;78;p2">
+            <a:extLst>
+              <a:ext uri="{FF2B5EF4-FFF2-40B4-BE49-F238E27FC236}">
+                <a16:creationId xmlns:a16="http://schemas.microsoft.com/office/drawing/2014/main" id="{E9E7B2C8-517C-0548-AF32-6BC63E87A0CD}"/>
+              </a:ext>
+            </a:extLst>
+          </p:cNvPr>
+          <p:cNvSpPr txBox="1"/>
+          <p:nvPr/>
+        </p:nvSpPr>
+        <p:spPr>
+          <a:xfrm rot="16200000">
+            <a:off x="4312622" y="3521255"/>
+            <a:ext cx="1545097" cy="348113"/>
+          </a:xfrm>
+          <a:prstGeom prst="rect">
+            <a:avLst/>
+          </a:prstGeom>
+          <a:noFill/>
+          <a:ln>
+            <a:noFill/>
+          </a:ln>
+        </p:spPr>
+        <p:txBody>
+          <a:bodyPr spcFirstLastPara="1" wrap="square" lIns="91425" tIns="91425" rIns="91425" bIns="91425" anchor="t" anchorCtr="0">
+            <a:noAutofit/>
+          </a:bodyPr>
+          <a:lstStyle/>
+          <a:p>
+            <a:pPr marL="139700" marR="0" lvl="0" algn="l" rtl="0">
+              <a:lnSpc>
+                <a:spcPct val="100000"/>
+              </a:lnSpc>
+              <a:spcAft>
+                <a:spcPts val="400"/>
+              </a:spcAft>
+              <a:buClr>
+                <a:srgbClr val="000000"/>
+              </a:buClr>
+              <a:buSzPts val="1400"/>
+            </a:pPr>
+            <a:r>
+              <a:rPr lang="en-US" sz="1200" dirty="0">
+                <a:latin typeface="+mn-lt"/>
+                <a:ea typeface="Source Code Pro"/>
+                <a:cs typeface="Source Code Pro"/>
+                <a:sym typeface="Source Code Pro"/>
+              </a:rPr>
+              <a:t>Trainings counter</a:t>
+            </a:r>
+            <a:endParaRPr sz="1200" b="0" i="0" u="none" strike="noStrike" cap="none" dirty="0">
+              <a:solidFill>
+                <a:srgbClr val="000000"/>
+              </a:solidFill>
+              <a:latin typeface="+mn-lt"/>
+              <a:ea typeface="Source Code Pro"/>
+              <a:cs typeface="Source Code Pro"/>
+              <a:sym typeface="Source Code Pro"/>
+            </a:endParaRPr>
+          </a:p>
+        </p:txBody>
+      </p:sp>
+      <p:sp>
+        <p:nvSpPr>
+          <p:cNvPr id="31" name="Google Shape;78;p2">
+            <a:extLst>
+              <a:ext uri="{FF2B5EF4-FFF2-40B4-BE49-F238E27FC236}">
+                <a16:creationId xmlns:a16="http://schemas.microsoft.com/office/drawing/2014/main" id="{4328AFEF-E1C5-1C47-89B6-3E1147BB69BC}"/>
+              </a:ext>
+            </a:extLst>
+          </p:cNvPr>
+          <p:cNvSpPr txBox="1"/>
+          <p:nvPr/>
+        </p:nvSpPr>
+        <p:spPr>
+          <a:xfrm rot="16200000">
+            <a:off x="4312623" y="1654234"/>
+            <a:ext cx="1545097" cy="348113"/>
+          </a:xfrm>
+          <a:prstGeom prst="rect">
+            <a:avLst/>
+          </a:prstGeom>
+          <a:noFill/>
+          <a:ln>
+            <a:noFill/>
+          </a:ln>
+        </p:spPr>
+        <p:txBody>
+          <a:bodyPr spcFirstLastPara="1" wrap="square" lIns="91425" tIns="91425" rIns="91425" bIns="91425" anchor="t" anchorCtr="0">
+            <a:noAutofit/>
+          </a:bodyPr>
+          <a:lstStyle/>
+          <a:p>
+            <a:pPr marL="139700" marR="0" lvl="0" algn="l" rtl="0">
+              <a:lnSpc>
+                <a:spcPct val="100000"/>
+              </a:lnSpc>
+              <a:spcAft>
+                <a:spcPts val="400"/>
+              </a:spcAft>
+              <a:buClr>
+                <a:srgbClr val="000000"/>
+              </a:buClr>
+              <a:buSzPts val="1400"/>
+            </a:pPr>
+            <a:r>
+              <a:rPr lang="en-US" sz="1200" b="0" i="0" u="none" strike="noStrike" cap="none" dirty="0">
+                <a:solidFill>
+                  <a:srgbClr val="000000"/>
+                </a:solidFill>
+                <a:latin typeface="+mn-lt"/>
+                <a:ea typeface="Source Code Pro"/>
+                <a:cs typeface="Source Code Pro"/>
+                <a:sym typeface="Source Code Pro"/>
+              </a:rPr>
+              <a:t>Pace by distance</a:t>
+            </a:r>
+            <a:endParaRPr sz="1200" b="0" i="0" u="none" strike="noStrike" cap="none" dirty="0">
+              <a:solidFill>
+                <a:srgbClr val="000000"/>
+              </a:solidFill>
+              <a:latin typeface="+mn-lt"/>
+              <a:ea typeface="Source Code Pro"/>
+              <a:cs typeface="Source Code Pro"/>
+              <a:sym typeface="Source Code Pro"/>
+            </a:endParaRPr>
           </a:p>
         </p:txBody>
       </p:sp>
